--- a/final-project/CS315 P3 Production.pptx
+++ b/final-project/CS315 P3 Production.pptx
@@ -261,7 +261,7 @@
           <a:p>
             <a:fld id="{052CEAA0-CEA8-4860-9757-7A11AC3F23CB}" type="datetimeFigureOut">
               <a:rPr lang="en-US" smtClean="0"/>
-              <a:t>11/13/25</a:t>
+              <a:t>11/20/2025</a:t>
             </a:fld>
             <a:endParaRPr lang="en-US"/>
           </a:p>
@@ -431,7 +431,7 @@
           <a:p>
             <a:fld id="{052CEAA0-CEA8-4860-9757-7A11AC3F23CB}" type="datetimeFigureOut">
               <a:rPr lang="en-US" smtClean="0"/>
-              <a:t>11/13/25</a:t>
+              <a:t>11/20/2025</a:t>
             </a:fld>
             <a:endParaRPr lang="en-US"/>
           </a:p>
@@ -611,7 +611,7 @@
           <a:p>
             <a:fld id="{052CEAA0-CEA8-4860-9757-7A11AC3F23CB}" type="datetimeFigureOut">
               <a:rPr lang="en-US" smtClean="0"/>
-              <a:t>11/13/25</a:t>
+              <a:t>11/20/2025</a:t>
             </a:fld>
             <a:endParaRPr lang="en-US"/>
           </a:p>
@@ -781,7 +781,7 @@
           <a:p>
             <a:fld id="{052CEAA0-CEA8-4860-9757-7A11AC3F23CB}" type="datetimeFigureOut">
               <a:rPr lang="en-US" smtClean="0"/>
-              <a:t>11/13/25</a:t>
+              <a:t>11/20/2025</a:t>
             </a:fld>
             <a:endParaRPr lang="en-US"/>
           </a:p>
@@ -1027,7 +1027,7 @@
           <a:p>
             <a:fld id="{052CEAA0-CEA8-4860-9757-7A11AC3F23CB}" type="datetimeFigureOut">
               <a:rPr lang="en-US" smtClean="0"/>
-              <a:t>11/13/25</a:t>
+              <a:t>11/20/2025</a:t>
             </a:fld>
             <a:endParaRPr lang="en-US"/>
           </a:p>
@@ -1259,7 +1259,7 @@
           <a:p>
             <a:fld id="{052CEAA0-CEA8-4860-9757-7A11AC3F23CB}" type="datetimeFigureOut">
               <a:rPr lang="en-US" smtClean="0"/>
-              <a:t>11/13/25</a:t>
+              <a:t>11/20/2025</a:t>
             </a:fld>
             <a:endParaRPr lang="en-US"/>
           </a:p>
@@ -1626,7 +1626,7 @@
           <a:p>
             <a:fld id="{052CEAA0-CEA8-4860-9757-7A11AC3F23CB}" type="datetimeFigureOut">
               <a:rPr lang="en-US" smtClean="0"/>
-              <a:t>11/13/25</a:t>
+              <a:t>11/20/2025</a:t>
             </a:fld>
             <a:endParaRPr lang="en-US"/>
           </a:p>
@@ -1744,7 +1744,7 @@
           <a:p>
             <a:fld id="{052CEAA0-CEA8-4860-9757-7A11AC3F23CB}" type="datetimeFigureOut">
               <a:rPr lang="en-US" smtClean="0"/>
-              <a:t>11/13/25</a:t>
+              <a:t>11/20/2025</a:t>
             </a:fld>
             <a:endParaRPr lang="en-US"/>
           </a:p>
@@ -1839,7 +1839,7 @@
           <a:p>
             <a:fld id="{052CEAA0-CEA8-4860-9757-7A11AC3F23CB}" type="datetimeFigureOut">
               <a:rPr lang="en-US" smtClean="0"/>
-              <a:t>11/13/25</a:t>
+              <a:t>11/20/2025</a:t>
             </a:fld>
             <a:endParaRPr lang="en-US"/>
           </a:p>
@@ -2116,7 +2116,7 @@
           <a:p>
             <a:fld id="{052CEAA0-CEA8-4860-9757-7A11AC3F23CB}" type="datetimeFigureOut">
               <a:rPr lang="en-US" smtClean="0"/>
-              <a:t>11/13/25</a:t>
+              <a:t>11/20/2025</a:t>
             </a:fld>
             <a:endParaRPr lang="en-US"/>
           </a:p>
@@ -2373,7 +2373,7 @@
           <a:p>
             <a:fld id="{052CEAA0-CEA8-4860-9757-7A11AC3F23CB}" type="datetimeFigureOut">
               <a:rPr lang="en-US" smtClean="0"/>
-              <a:t>11/13/25</a:t>
+              <a:t>11/20/2025</a:t>
             </a:fld>
             <a:endParaRPr lang="en-US"/>
           </a:p>
@@ -2586,7 +2586,7 @@
           <a:p>
             <a:fld id="{052CEAA0-CEA8-4860-9757-7A11AC3F23CB}" type="datetimeFigureOut">
               <a:rPr lang="en-US" smtClean="0"/>
-              <a:t>11/13/25</a:t>
+              <a:t>11/20/2025</a:t>
             </a:fld>
             <a:endParaRPr lang="en-US"/>
           </a:p>
@@ -3014,7 +3014,7 @@
           <a:p>
             <a:r>
               <a:rPr lang="en-US" dirty="0"/>
-              <a:t>{ your game title here }</a:t>
+              <a:t>Bolter Slug</a:t>
             </a:r>
           </a:p>
         </p:txBody>
@@ -3038,7 +3038,7 @@
         <p:spPr/>
         <p:txBody>
           <a:bodyPr>
-            <a:normAutofit lnSpcReduction="10000"/>
+            <a:normAutofit fontScale="92500" lnSpcReduction="20000"/>
           </a:bodyPr>
           <a:lstStyle/>
           <a:p>
@@ -3050,36 +3050,20 @@
           <a:p>
             <a:r>
               <a:rPr lang="en-US" dirty="0"/>
-              <a:t>{ your name }</a:t>
+              <a:t>Jake Terry</a:t>
             </a:r>
             <a:br>
               <a:rPr lang="en-US" dirty="0"/>
             </a:br>
             <a:r>
               <a:rPr lang="en-US" dirty="0"/>
-              <a:t>{link to </a:t>
-            </a:r>
-            <a:r>
-              <a:rPr lang="en-US" dirty="0" err="1"/>
-              <a:t>github</a:t>
-            </a:r>
-            <a:r>
-              <a:rPr lang="en-US" dirty="0"/>
-              <a:t>}</a:t>
-            </a:r>
-          </a:p>
-          <a:p>
-            <a:r>
-              <a:rPr lang="en-US" dirty="0"/>
-              <a:t>{ link to </a:t>
-            </a:r>
-            <a:r>
-              <a:rPr lang="en-US" dirty="0" err="1"/>
-              <a:t>itch.io</a:t>
-            </a:r>
-            <a:r>
-              <a:rPr lang="en-US" dirty="0"/>
-              <a:t> }</a:t>
+              <a:t>https://github.com/jaketerry28/CS315-Game-Programming/tree/main/final-project</a:t>
+            </a:r>
+          </a:p>
+          <a:p>
+            <a:r>
+              <a:rPr lang="en-US" dirty="0"/>
+              <a:t>https://jaketerry28.itch.io/bolt-slug</a:t>
             </a:r>
           </a:p>
         </p:txBody>
@@ -4245,31 +4229,90 @@
           </a:p>
         </p:txBody>
       </p:sp>
-      <p:sp>
-        <p:nvSpPr>
-          <p:cNvPr id="3" name="Content Placeholder 2">
+      <p:pic>
+        <p:nvPicPr>
+          <p:cNvPr id="1026" name="Picture 2" descr="Metal Slug (serie) - Wikipedia">
             <a:extLst>
               <a:ext uri="{FF2B5EF4-FFF2-40B4-BE49-F238E27FC236}">
-                <a16:creationId xmlns:a16="http://schemas.microsoft.com/office/drawing/2014/main" id="{CEFC3362-BE8E-BB9B-F46A-0464325FD189}"/>
+                <a16:creationId xmlns:a16="http://schemas.microsoft.com/office/drawing/2014/main" id="{88951CF2-45BC-C88A-A747-B005E78BF52B}"/>
               </a:ext>
             </a:extLst>
           </p:cNvPr>
-          <p:cNvSpPr>
-            <a:spLocks noGrp="1"/>
-          </p:cNvSpPr>
+          <p:cNvPicPr>
+            <a:picLocks noGrp="1" noChangeAspect="1" noChangeArrowheads="1"/>
+          </p:cNvPicPr>
           <p:nvPr>
             <p:ph idx="1"/>
           </p:nvPr>
-        </p:nvSpPr>
-        <p:spPr/>
-        <p:txBody>
-          <a:bodyPr/>
-          <a:lstStyle/>
-          <a:p>
-            <a:r>
-              <a:rPr lang="en-US" dirty="0"/>
-              <a:t>Add a screenshot of your game here</a:t>
-            </a:r>
+        </p:nvPicPr>
+        <p:blipFill>
+          <a:blip r:embed="rId2">
+            <a:extLst>
+              <a:ext uri="{28A0092B-C50C-407E-A947-70E740481C1C}">
+                <a14:useLocalDpi xmlns:a14="http://schemas.microsoft.com/office/drawing/2010/main" val="0"/>
+              </a:ext>
+            </a:extLst>
+          </a:blip>
+          <a:srcRect/>
+          <a:stretch>
+            <a:fillRect/>
+          </a:stretch>
+        </p:blipFill>
+        <p:spPr bwMode="auto">
+          <a:xfrm>
+            <a:off x="3490452" y="2665383"/>
+            <a:ext cx="5023362" cy="3700416"/>
+          </a:xfrm>
+          <a:prstGeom prst="rect">
+            <a:avLst/>
+          </a:prstGeom>
+          <a:noFill/>
+          <a:extLst>
+            <a:ext uri="{909E8E84-426E-40DD-AFC4-6F175D3DCCD1}">
+              <a14:hiddenFill xmlns:a14="http://schemas.microsoft.com/office/drawing/2010/main">
+                <a:solidFill>
+                  <a:srgbClr val="FFFFFF"/>
+                </a:solidFill>
+              </a14:hiddenFill>
+            </a:ext>
+          </a:extLst>
+        </p:spPr>
+      </p:pic>
+      <p:sp>
+        <p:nvSpPr>
+          <p:cNvPr id="6" name="TextBox 5">
+            <a:extLst>
+              <a:ext uri="{FF2B5EF4-FFF2-40B4-BE49-F238E27FC236}">
+                <a16:creationId xmlns:a16="http://schemas.microsoft.com/office/drawing/2014/main" id="{313272FF-E405-8638-3981-3DE850FFB7FB}"/>
+              </a:ext>
+            </a:extLst>
+          </p:cNvPr>
+          <p:cNvSpPr txBox="1"/>
+          <p:nvPr/>
+        </p:nvSpPr>
+        <p:spPr>
+          <a:xfrm>
+            <a:off x="1238864" y="1956619"/>
+            <a:ext cx="5230761" cy="646331"/>
+          </a:xfrm>
+          <a:prstGeom prst="rect">
+            <a:avLst/>
+          </a:prstGeom>
+          <a:noFill/>
+        </p:spPr>
+        <p:txBody>
+          <a:bodyPr wrap="square" rtlCol="0">
+            <a:spAutoFit/>
+          </a:bodyPr>
+          <a:lstStyle/>
+          <a:p>
+            <a:r>
+              <a:rPr lang="en-US" dirty="0"/>
+              <a:t>Inspiration from Metal Slug</a:t>
+            </a:r>
+          </a:p>
+          <a:p>
+            <a:endParaRPr lang="en-US" dirty="0"/>
           </a:p>
         </p:txBody>
       </p:sp>
@@ -4765,13 +4808,40 @@
           <a:bodyPr/>
           <a:lstStyle/>
           <a:p>
-            <a:r>
-              <a:rPr lang="en-US" dirty="0"/>
-              <a:t>Add a screenshot of your game here</a:t>
-            </a:r>
-          </a:p>
-        </p:txBody>
-      </p:sp>
+            <a:endParaRPr lang="en-US" dirty="0"/>
+          </a:p>
+        </p:txBody>
+      </p:sp>
+      <p:pic>
+        <p:nvPicPr>
+          <p:cNvPr id="5" name="Picture 4">
+            <a:extLst>
+              <a:ext uri="{FF2B5EF4-FFF2-40B4-BE49-F238E27FC236}">
+                <a16:creationId xmlns:a16="http://schemas.microsoft.com/office/drawing/2014/main" id="{02A29225-F9B1-3F70-C6EE-5AE819552D8F}"/>
+              </a:ext>
+            </a:extLst>
+          </p:cNvPr>
+          <p:cNvPicPr>
+            <a:picLocks noChangeAspect="1"/>
+          </p:cNvPicPr>
+          <p:nvPr/>
+        </p:nvPicPr>
+        <p:blipFill>
+          <a:blip r:embed="rId2"/>
+          <a:stretch>
+            <a:fillRect/>
+          </a:stretch>
+        </p:blipFill>
+        <p:spPr>
+          <a:xfrm>
+            <a:off x="1601816" y="1592365"/>
+            <a:ext cx="8988368" cy="5051054"/>
+          </a:xfrm>
+          <a:prstGeom prst="rect">
+            <a:avLst/>
+          </a:prstGeom>
+        </p:spPr>
+      </p:pic>
     </p:spTree>
     <p:extLst>
       <p:ext uri="{BB962C8B-B14F-4D97-AF65-F5344CB8AC3E}">

--- a/final-project/CS315 P3 Production.pptx
+++ b/final-project/CS315 P3 Production.pptx
@@ -261,7 +261,7 @@
           <a:p>
             <a:fld id="{052CEAA0-CEA8-4860-9757-7A11AC3F23CB}" type="datetimeFigureOut">
               <a:rPr lang="en-US" smtClean="0"/>
-              <a:t>11/20/2025</a:t>
+              <a:t>12/9/2025</a:t>
             </a:fld>
             <a:endParaRPr lang="en-US"/>
           </a:p>
@@ -431,7 +431,7 @@
           <a:p>
             <a:fld id="{052CEAA0-CEA8-4860-9757-7A11AC3F23CB}" type="datetimeFigureOut">
               <a:rPr lang="en-US" smtClean="0"/>
-              <a:t>11/20/2025</a:t>
+              <a:t>12/9/2025</a:t>
             </a:fld>
             <a:endParaRPr lang="en-US"/>
           </a:p>
@@ -611,7 +611,7 @@
           <a:p>
             <a:fld id="{052CEAA0-CEA8-4860-9757-7A11AC3F23CB}" type="datetimeFigureOut">
               <a:rPr lang="en-US" smtClean="0"/>
-              <a:t>11/20/2025</a:t>
+              <a:t>12/9/2025</a:t>
             </a:fld>
             <a:endParaRPr lang="en-US"/>
           </a:p>
@@ -781,7 +781,7 @@
           <a:p>
             <a:fld id="{052CEAA0-CEA8-4860-9757-7A11AC3F23CB}" type="datetimeFigureOut">
               <a:rPr lang="en-US" smtClean="0"/>
-              <a:t>11/20/2025</a:t>
+              <a:t>12/9/2025</a:t>
             </a:fld>
             <a:endParaRPr lang="en-US"/>
           </a:p>
@@ -1027,7 +1027,7 @@
           <a:p>
             <a:fld id="{052CEAA0-CEA8-4860-9757-7A11AC3F23CB}" type="datetimeFigureOut">
               <a:rPr lang="en-US" smtClean="0"/>
-              <a:t>11/20/2025</a:t>
+              <a:t>12/9/2025</a:t>
             </a:fld>
             <a:endParaRPr lang="en-US"/>
           </a:p>
@@ -1259,7 +1259,7 @@
           <a:p>
             <a:fld id="{052CEAA0-CEA8-4860-9757-7A11AC3F23CB}" type="datetimeFigureOut">
               <a:rPr lang="en-US" smtClean="0"/>
-              <a:t>11/20/2025</a:t>
+              <a:t>12/9/2025</a:t>
             </a:fld>
             <a:endParaRPr lang="en-US"/>
           </a:p>
@@ -1626,7 +1626,7 @@
           <a:p>
             <a:fld id="{052CEAA0-CEA8-4860-9757-7A11AC3F23CB}" type="datetimeFigureOut">
               <a:rPr lang="en-US" smtClean="0"/>
-              <a:t>11/20/2025</a:t>
+              <a:t>12/9/2025</a:t>
             </a:fld>
             <a:endParaRPr lang="en-US"/>
           </a:p>
@@ -1744,7 +1744,7 @@
           <a:p>
             <a:fld id="{052CEAA0-CEA8-4860-9757-7A11AC3F23CB}" type="datetimeFigureOut">
               <a:rPr lang="en-US" smtClean="0"/>
-              <a:t>11/20/2025</a:t>
+              <a:t>12/9/2025</a:t>
             </a:fld>
             <a:endParaRPr lang="en-US"/>
           </a:p>
@@ -1839,7 +1839,7 @@
           <a:p>
             <a:fld id="{052CEAA0-CEA8-4860-9757-7A11AC3F23CB}" type="datetimeFigureOut">
               <a:rPr lang="en-US" smtClean="0"/>
-              <a:t>11/20/2025</a:t>
+              <a:t>12/9/2025</a:t>
             </a:fld>
             <a:endParaRPr lang="en-US"/>
           </a:p>
@@ -2116,7 +2116,7 @@
           <a:p>
             <a:fld id="{052CEAA0-CEA8-4860-9757-7A11AC3F23CB}" type="datetimeFigureOut">
               <a:rPr lang="en-US" smtClean="0"/>
-              <a:t>11/20/2025</a:t>
+              <a:t>12/9/2025</a:t>
             </a:fld>
             <a:endParaRPr lang="en-US"/>
           </a:p>
@@ -2373,7 +2373,7 @@
           <a:p>
             <a:fld id="{052CEAA0-CEA8-4860-9757-7A11AC3F23CB}" type="datetimeFigureOut">
               <a:rPr lang="en-US" smtClean="0"/>
-              <a:t>11/20/2025</a:t>
+              <a:t>12/9/2025</a:t>
             </a:fld>
             <a:endParaRPr lang="en-US"/>
           </a:p>
@@ -2586,7 +2586,7 @@
           <a:p>
             <a:fld id="{052CEAA0-CEA8-4860-9757-7A11AC3F23CB}" type="datetimeFigureOut">
               <a:rPr lang="en-US" smtClean="0"/>
-              <a:t>11/20/2025</a:t>
+              <a:t>12/9/2025</a:t>
             </a:fld>
             <a:endParaRPr lang="en-US"/>
           </a:p>
@@ -3014,7 +3014,7 @@
           <a:p>
             <a:r>
               <a:rPr lang="en-US" dirty="0"/>
-              <a:t>Bolter Slug</a:t>
+              <a:t>Krab Killer</a:t>
             </a:r>
           </a:p>
         </p:txBody>
@@ -5030,31 +5030,42 @@
           </a:p>
         </p:txBody>
       </p:sp>
-      <p:sp>
-        <p:nvSpPr>
-          <p:cNvPr id="3" name="Content Placeholder 2">
+      <p:pic>
+        <p:nvPicPr>
+          <p:cNvPr id="6" name="Recording 2025-12-08 195605">
+            <a:hlinkClick r:id="" action="ppaction://media"/>
             <a:extLst>
               <a:ext uri="{FF2B5EF4-FFF2-40B4-BE49-F238E27FC236}">
-                <a16:creationId xmlns:a16="http://schemas.microsoft.com/office/drawing/2014/main" id="{B733B72D-90B3-6696-1D14-3B7EEC9C4367}"/>
+                <a16:creationId xmlns:a16="http://schemas.microsoft.com/office/drawing/2014/main" id="{96569FC4-BE33-0BB8-AA7C-558B18A208C0}"/>
               </a:ext>
             </a:extLst>
           </p:cNvPr>
-          <p:cNvSpPr>
-            <a:spLocks noGrp="1"/>
-          </p:cNvSpPr>
+          <p:cNvPicPr>
+            <a:picLocks noGrp="1" noChangeAspect="1"/>
+          </p:cNvPicPr>
           <p:nvPr>
             <p:ph idx="1"/>
-          </p:nvPr>
-        </p:nvSpPr>
-        <p:spPr/>
-        <p:txBody>
-          <a:bodyPr/>
-          <a:lstStyle/>
-          <a:p>
-            <a:endParaRPr lang="en-US"/>
-          </a:p>
-        </p:txBody>
-      </p:sp>
+            <a:videoFile r:link="rId2"/>
+            <p:extLst>
+              <p:ext uri="{DAA4B4D4-6D71-4841-9C94-3DE7FCFB9230}">
+                <p14:media xmlns:p14="http://schemas.microsoft.com/office/powerpoint/2010/main" r:embed="rId1"/>
+              </p:ext>
+            </p:extLst>
+          </p:nvPr>
+        </p:nvPicPr>
+        <p:blipFill>
+          <a:blip r:embed="rId4"/>
+          <a:stretch>
+            <a:fillRect/>
+          </a:stretch>
+        </p:blipFill>
+        <p:spPr>
+          <a:xfrm>
+            <a:off x="881063" y="1825625"/>
+            <a:ext cx="10431462" cy="4351338"/>
+          </a:xfrm>
+        </p:spPr>
+      </p:pic>
     </p:spTree>
     <p:extLst>
       <p:ext uri="{BB962C8B-B14F-4D97-AF65-F5344CB8AC3E}">
@@ -5065,6 +5076,141 @@
   <p:clrMapOvr>
     <a:masterClrMapping/>
   </p:clrMapOvr>
+  <p:timing>
+    <p:tnLst>
+      <p:par>
+        <p:cTn id="1" dur="indefinite" restart="never" nodeType="tmRoot">
+          <p:childTnLst>
+            <p:seq concurrent="1" nextAc="seek">
+              <p:cTn id="2" dur="indefinite" nodeType="mainSeq">
+                <p:childTnLst>
+                  <p:par>
+                    <p:cTn id="3" fill="hold">
+                      <p:stCondLst>
+                        <p:cond delay="indefinite"/>
+                      </p:stCondLst>
+                      <p:childTnLst>
+                        <p:par>
+                          <p:cTn id="4" fill="hold">
+                            <p:stCondLst>
+                              <p:cond delay="0"/>
+                            </p:stCondLst>
+                            <p:childTnLst>
+                              <p:par>
+                                <p:cTn id="5" presetID="1" presetClass="mediacall" presetSubtype="0" fill="hold" nodeType="clickEffect">
+                                  <p:stCondLst>
+                                    <p:cond delay="0"/>
+                                  </p:stCondLst>
+                                  <p:childTnLst>
+                                    <p:cmd type="call" cmd="playFrom(0.0)">
+                                      <p:cBhvr>
+                                        <p:cTn id="6" dur="8767" fill="hold"/>
+                                        <p:tgtEl>
+                                          <p:spTgt spid="6"/>
+                                        </p:tgtEl>
+                                      </p:cBhvr>
+                                    </p:cmd>
+                                  </p:childTnLst>
+                                </p:cTn>
+                              </p:par>
+                            </p:childTnLst>
+                          </p:cTn>
+                        </p:par>
+                      </p:childTnLst>
+                    </p:cTn>
+                  </p:par>
+                </p:childTnLst>
+              </p:cTn>
+              <p:prevCondLst>
+                <p:cond evt="onPrev" delay="0">
+                  <p:tgtEl>
+                    <p:sldTgt/>
+                  </p:tgtEl>
+                </p:cond>
+              </p:prevCondLst>
+              <p:nextCondLst>
+                <p:cond evt="onNext" delay="0">
+                  <p:tgtEl>
+                    <p:sldTgt/>
+                  </p:tgtEl>
+                </p:cond>
+              </p:nextCondLst>
+            </p:seq>
+            <p:video>
+              <p:cMediaNode vol="80000">
+                <p:cTn id="7" fill="hold" display="0">
+                  <p:stCondLst>
+                    <p:cond delay="indefinite"/>
+                  </p:stCondLst>
+                </p:cTn>
+                <p:tgtEl>
+                  <p:spTgt spid="6"/>
+                </p:tgtEl>
+              </p:cMediaNode>
+            </p:video>
+            <p:seq concurrent="1" nextAc="seek">
+              <p:cTn id="8" restart="whenNotActive" fill="hold" evtFilter="cancelBubble" nodeType="interactiveSeq">
+                <p:stCondLst>
+                  <p:cond evt="onClick" delay="0">
+                    <p:tgtEl>
+                      <p:spTgt spid="6"/>
+                    </p:tgtEl>
+                  </p:cond>
+                </p:stCondLst>
+                <p:endSync evt="end" delay="0">
+                  <p:rtn val="all"/>
+                </p:endSync>
+                <p:childTnLst>
+                  <p:par>
+                    <p:cTn id="9" fill="hold">
+                      <p:stCondLst>
+                        <p:cond delay="0"/>
+                      </p:stCondLst>
+                      <p:childTnLst>
+                        <p:par>
+                          <p:cTn id="10" fill="hold">
+                            <p:stCondLst>
+                              <p:cond delay="0"/>
+                            </p:stCondLst>
+                            <p:childTnLst>
+                              <p:par>
+                                <p:cTn id="11" presetID="2" presetClass="mediacall" presetSubtype="0" fill="hold" nodeType="clickEffect">
+                                  <p:stCondLst>
+                                    <p:cond delay="0"/>
+                                  </p:stCondLst>
+                                  <p:childTnLst>
+                                    <p:cmd type="call" cmd="togglePause">
+                                      <p:cBhvr>
+                                        <p:cTn id="12" dur="1" fill="hold"/>
+                                        <p:tgtEl>
+                                          <p:spTgt spid="6"/>
+                                        </p:tgtEl>
+                                      </p:cBhvr>
+                                    </p:cmd>
+                                  </p:childTnLst>
+                                </p:cTn>
+                              </p:par>
+                            </p:childTnLst>
+                          </p:cTn>
+                        </p:par>
+                      </p:childTnLst>
+                    </p:cTn>
+                  </p:par>
+                </p:childTnLst>
+              </p:cTn>
+              <p:nextCondLst>
+                <p:cond evt="onClick" delay="0">
+                  <p:tgtEl>
+                    <p:spTgt spid="6"/>
+                  </p:tgtEl>
+                </p:cond>
+              </p:nextCondLst>
+            </p:seq>
+          </p:childTnLst>
+        </p:cTn>
+      </p:par>
+    </p:tnLst>
+  </p:timing>
 </p:sld>
 </file>
 
@@ -5144,7 +5290,10 @@
           <a:bodyPr/>
           <a:lstStyle/>
           <a:p>
-            <a:endParaRPr lang="en-US"/>
+            <a:r>
+              <a:rPr lang="en-US" dirty="0"/>
+              <a:t>Totally changing from my original idea, I have questions about how to set a double jump, make movement feel more responsive, and how do I make enemies patrol an area?</a:t>
+            </a:r>
           </a:p>
         </p:txBody>
       </p:sp>
